--- a/PPT/05) 3일차-단어 임베딩.pptx
+++ b/PPT/05) 3일차-단어 임베딩.pptx
@@ -211,7 +211,7 @@
           <a:p>
             <a:fld id="{1B6E3774-0E21-4466-89FE-47F912FC75D3}" type="datetimeFigureOut">
               <a:rPr lang="ko-KR" altLang="en-US" smtClean="0"/>
-              <a:t>2020-08-01</a:t>
+              <a:t>2020-08-08</a:t>
             </a:fld>
             <a:endParaRPr lang="ko-KR" altLang="en-US"/>
           </a:p>
@@ -1623,7 +1623,7 @@
           <a:p>
             <a:fld id="{ACDEFF3B-8A07-4FB1-9BE4-BDB72A1F7CD9}" type="datetimeFigureOut">
               <a:rPr lang="ko-KR" altLang="en-US" smtClean="0"/>
-              <a:t>2020-08-01</a:t>
+              <a:t>2020-08-08</a:t>
             </a:fld>
             <a:endParaRPr lang="ko-KR" altLang="en-US"/>
           </a:p>
@@ -1793,7 +1793,7 @@
           <a:p>
             <a:fld id="{ACDEFF3B-8A07-4FB1-9BE4-BDB72A1F7CD9}" type="datetimeFigureOut">
               <a:rPr lang="ko-KR" altLang="en-US" smtClean="0"/>
-              <a:t>2020-08-01</a:t>
+              <a:t>2020-08-08</a:t>
             </a:fld>
             <a:endParaRPr lang="ko-KR" altLang="en-US"/>
           </a:p>
@@ -1973,7 +1973,7 @@
           <a:p>
             <a:fld id="{ACDEFF3B-8A07-4FB1-9BE4-BDB72A1F7CD9}" type="datetimeFigureOut">
               <a:rPr lang="ko-KR" altLang="en-US" smtClean="0"/>
-              <a:t>2020-08-01</a:t>
+              <a:t>2020-08-08</a:t>
             </a:fld>
             <a:endParaRPr lang="ko-KR" altLang="en-US"/>
           </a:p>
@@ -2143,7 +2143,7 @@
           <a:p>
             <a:fld id="{ACDEFF3B-8A07-4FB1-9BE4-BDB72A1F7CD9}" type="datetimeFigureOut">
               <a:rPr lang="ko-KR" altLang="en-US" smtClean="0"/>
-              <a:t>2020-08-01</a:t>
+              <a:t>2020-08-08</a:t>
             </a:fld>
             <a:endParaRPr lang="ko-KR" altLang="en-US"/>
           </a:p>
@@ -2389,7 +2389,7 @@
           <a:p>
             <a:fld id="{ACDEFF3B-8A07-4FB1-9BE4-BDB72A1F7CD9}" type="datetimeFigureOut">
               <a:rPr lang="ko-KR" altLang="en-US" smtClean="0"/>
-              <a:t>2020-08-01</a:t>
+              <a:t>2020-08-08</a:t>
             </a:fld>
             <a:endParaRPr lang="ko-KR" altLang="en-US"/>
           </a:p>
@@ -2621,7 +2621,7 @@
           <a:p>
             <a:fld id="{ACDEFF3B-8A07-4FB1-9BE4-BDB72A1F7CD9}" type="datetimeFigureOut">
               <a:rPr lang="ko-KR" altLang="en-US" smtClean="0"/>
-              <a:t>2020-08-01</a:t>
+              <a:t>2020-08-08</a:t>
             </a:fld>
             <a:endParaRPr lang="ko-KR" altLang="en-US"/>
           </a:p>
@@ -2988,7 +2988,7 @@
           <a:p>
             <a:fld id="{ACDEFF3B-8A07-4FB1-9BE4-BDB72A1F7CD9}" type="datetimeFigureOut">
               <a:rPr lang="ko-KR" altLang="en-US" smtClean="0"/>
-              <a:t>2020-08-01</a:t>
+              <a:t>2020-08-08</a:t>
             </a:fld>
             <a:endParaRPr lang="ko-KR" altLang="en-US"/>
           </a:p>
@@ -3106,7 +3106,7 @@
           <a:p>
             <a:fld id="{ACDEFF3B-8A07-4FB1-9BE4-BDB72A1F7CD9}" type="datetimeFigureOut">
               <a:rPr lang="ko-KR" altLang="en-US" smtClean="0"/>
-              <a:t>2020-08-01</a:t>
+              <a:t>2020-08-08</a:t>
             </a:fld>
             <a:endParaRPr lang="ko-KR" altLang="en-US"/>
           </a:p>
@@ -3201,7 +3201,7 @@
           <a:p>
             <a:fld id="{ACDEFF3B-8A07-4FB1-9BE4-BDB72A1F7CD9}" type="datetimeFigureOut">
               <a:rPr lang="ko-KR" altLang="en-US" smtClean="0"/>
-              <a:t>2020-08-01</a:t>
+              <a:t>2020-08-08</a:t>
             </a:fld>
             <a:endParaRPr lang="ko-KR" altLang="en-US"/>
           </a:p>
@@ -3478,7 +3478,7 @@
           <a:p>
             <a:fld id="{ACDEFF3B-8A07-4FB1-9BE4-BDB72A1F7CD9}" type="datetimeFigureOut">
               <a:rPr lang="ko-KR" altLang="en-US" smtClean="0"/>
-              <a:t>2020-08-01</a:t>
+              <a:t>2020-08-08</a:t>
             </a:fld>
             <a:endParaRPr lang="ko-KR" altLang="en-US"/>
           </a:p>
@@ -3731,7 +3731,7 @@
           <a:p>
             <a:fld id="{ACDEFF3B-8A07-4FB1-9BE4-BDB72A1F7CD9}" type="datetimeFigureOut">
               <a:rPr lang="ko-KR" altLang="en-US" smtClean="0"/>
-              <a:t>2020-08-01</a:t>
+              <a:t>2020-08-08</a:t>
             </a:fld>
             <a:endParaRPr lang="ko-KR" altLang="en-US"/>
           </a:p>
@@ -3944,7 +3944,7 @@
           <a:p>
             <a:fld id="{ACDEFF3B-8A07-4FB1-9BE4-BDB72A1F7CD9}" type="datetimeFigureOut">
               <a:rPr lang="ko-KR" altLang="en-US" smtClean="0"/>
-              <a:t>2020-08-01</a:t>
+              <a:t>2020-08-08</a:t>
             </a:fld>
             <a:endParaRPr lang="ko-KR" altLang="en-US"/>
           </a:p>
@@ -8166,7 +8166,7 @@
           <p:nvPr>
             <p:extLst>
               <p:ext uri="{D42A27DB-BD31-4B8C-83A1-F6EECF244321}">
-                <p14:modId xmlns:p14="http://schemas.microsoft.com/office/powerpoint/2010/main" val="2739841105"/>
+                <p14:modId xmlns:p14="http://schemas.microsoft.com/office/powerpoint/2010/main" val="2061464796"/>
               </p:ext>
             </p:extLst>
           </p:nvPr>
@@ -8446,7 +8446,7 @@
                       <a:pPr algn="ctr" latinLnBrk="1"/>
                       <a:r>
                         <a:rPr lang="ko-KR" altLang="en-US" sz="1600" dirty="0" smtClean="0"/>
-                        <a:t>정리</a:t>
+                        <a:t>텍스트 분류 실습</a:t>
                       </a:r>
                     </a:p>
                   </a:txBody>
@@ -8457,27 +8457,16 @@
                     <a:bodyPr/>
                     <a:lstStyle/>
                     <a:p>
-                      <a:pPr marL="0" marR="0" lvl="0" indent="0" algn="ctr" defTabSz="914377" rtl="0" eaLnBrk="1" fontAlgn="auto" latinLnBrk="1" hangingPunct="1">
-                        <a:lnSpc>
-                          <a:spcPct val="100000"/>
-                        </a:lnSpc>
-                        <a:spcBef>
-                          <a:spcPts val="0"/>
-                        </a:spcBef>
-                        <a:spcAft>
-                          <a:spcPts val="0"/>
-                        </a:spcAft>
-                        <a:buClrTx/>
-                        <a:buSzTx/>
-                        <a:buFontTx/>
-                        <a:buNone/>
-                        <a:tabLst/>
-                        <a:defRPr/>
-                      </a:pPr>
+                      <a:pPr algn="ctr" latinLnBrk="1"/>
+                      <a:r>
+                        <a:rPr lang="ko-KR" altLang="en-US" sz="1600" dirty="0" err="1" smtClean="0"/>
+                        <a:t>일상문장</a:t>
+                      </a:r>
                       <a:r>
                         <a:rPr lang="ko-KR" altLang="en-US" sz="1600" dirty="0" smtClean="0"/>
-                        <a:t>정리</a:t>
+                        <a:t> 분류</a:t>
                       </a:r>
+                      <a:endParaRPr lang="ko-KR" altLang="en-US" sz="1600" dirty="0"/>
                     </a:p>
                   </a:txBody>
                   <a:tcPr marL="0" marR="0" marT="0" marB="0" anchor="ctr"/>
@@ -8531,7 +8520,7 @@
                       <a:pPr algn="ctr" latinLnBrk="1"/>
                       <a:r>
                         <a:rPr lang="ko-KR" altLang="en-US" sz="1600" dirty="0" smtClean="0"/>
-                        <a:t>평가</a:t>
+                        <a:t>텍스트 분류 실습</a:t>
                       </a:r>
                     </a:p>
                   </a:txBody>
@@ -8542,28 +8531,16 @@
                     <a:bodyPr/>
                     <a:lstStyle/>
                     <a:p>
-                      <a:pPr marL="0" marR="0" lvl="0" indent="0" algn="ctr" defTabSz="914377" rtl="0" eaLnBrk="1" fontAlgn="auto" latinLnBrk="1" hangingPunct="1">
-                        <a:lnSpc>
-                          <a:spcPct val="100000"/>
-                        </a:lnSpc>
-                        <a:spcBef>
-                          <a:spcPts val="0"/>
-                        </a:spcBef>
-                        <a:spcAft>
-                          <a:spcPts val="0"/>
-                        </a:spcAft>
-                        <a:buClrTx/>
-                        <a:buSzTx/>
-                        <a:buFontTx/>
-                        <a:buNone/>
-                        <a:tabLst/>
-                        <a:defRPr/>
-                      </a:pPr>
+                      <a:pPr algn="ctr" latinLnBrk="1"/>
                       <a:r>
-                        <a:rPr lang="en-US" altLang="ko-KR" sz="1600" dirty="0" smtClean="0"/>
-                        <a:t>Review Questions</a:t>
+                        <a:rPr lang="ko-KR" altLang="en-US" sz="1600" dirty="0" err="1" smtClean="0"/>
+                        <a:t>일상문장</a:t>
                       </a:r>
-                      <a:endParaRPr lang="ko-KR" altLang="en-US" sz="1600" dirty="0" smtClean="0"/>
+                      <a:r>
+                        <a:rPr lang="ko-KR" altLang="en-US" sz="1600" dirty="0" smtClean="0"/>
+                        <a:t> 분류</a:t>
+                      </a:r>
+                      <a:endParaRPr lang="ko-KR" altLang="en-US" sz="1600" dirty="0"/>
                     </a:p>
                   </a:txBody>
                   <a:tcPr marL="0" marR="0" marT="0" marB="0" anchor="ctr"/>
@@ -10125,7 +10102,7 @@
         <p:spPr>
           <a:xfrm>
             <a:off x="342900" y="1280160"/>
-            <a:ext cx="11290848" cy="2739211"/>
+            <a:ext cx="11886716" cy="3016210"/>
           </a:xfrm>
           <a:prstGeom prst="rect">
             <a:avLst/>
@@ -10138,7 +10115,7 @@
           </a:bodyPr>
           <a:lstStyle/>
           <a:p>
-            <a:pPr marL="739775" lvl="1" indent="-282575">
+            <a:pPr marL="285750" lvl="1" indent="-285750">
               <a:buFont typeface="Arial" panose="020B0604020202020204" pitchFamily="34" charset="0"/>
               <a:buChar char="•"/>
             </a:pPr>
@@ -10156,21 +10133,21 @@
             </a:r>
           </a:p>
           <a:p>
-            <a:pPr marL="739775" lvl="1" indent="-282575">
+            <a:pPr marL="989013" lvl="1" indent="-285750">
               <a:buFont typeface="Arial" panose="020B0604020202020204" pitchFamily="34" charset="0"/>
               <a:buChar char="•"/>
             </a:pPr>
             <a:endParaRPr lang="en-US" altLang="ko-KR" sz="500" dirty="0" smtClean="0"/>
           </a:p>
           <a:p>
-            <a:pPr marL="739775" lvl="1" indent="-282575">
+            <a:pPr marL="989013" lvl="1" indent="-285750">
               <a:buFont typeface="Arial" panose="020B0604020202020204" pitchFamily="34" charset="0"/>
               <a:buChar char="•"/>
             </a:pPr>
             <a:endParaRPr lang="en-US" altLang="ko-KR" sz="500" dirty="0" smtClean="0"/>
           </a:p>
           <a:p>
-            <a:pPr lvl="2"/>
+            <a:pPr marL="452438" lvl="2" indent="-285750"/>
             <a:r>
               <a:rPr lang="en-US" altLang="ko-KR" sz="2000" dirty="0" smtClean="0"/>
               <a:t>: </a:t>
@@ -10182,11 +10159,11 @@
             <a:endParaRPr lang="en-US" altLang="ko-KR" sz="2000" dirty="0" smtClean="0"/>
           </a:p>
           <a:p>
-            <a:pPr lvl="2"/>
+            <a:pPr marL="452438" lvl="2" indent="-285750"/>
             <a:endParaRPr lang="en-US" altLang="ko-KR" sz="2000" dirty="0" smtClean="0"/>
           </a:p>
           <a:p>
-            <a:pPr lvl="2"/>
+            <a:pPr marL="452438" lvl="2" indent="-285750"/>
             <a:r>
               <a:rPr lang="en-US" altLang="ko-KR" sz="2000" dirty="0" smtClean="0"/>
               <a:t>([“</a:t>
@@ -10313,7 +10290,7 @@
             </a:r>
           </a:p>
           <a:p>
-            <a:pPr lvl="2"/>
+            <a:pPr marL="452438" lvl="2" indent="-285750"/>
             <a:r>
               <a:rPr lang="en-US" altLang="ko-KR" sz="2000" dirty="0"/>
               <a:t> </a:t>
@@ -10344,17 +10321,21 @@
             </a:r>
           </a:p>
           <a:p>
-            <a:pPr lvl="2"/>
+            <a:pPr marL="452438" lvl="2" indent="-285750"/>
             <a:endParaRPr lang="en-US" altLang="ko-KR" sz="2000" dirty="0" smtClean="0"/>
           </a:p>
           <a:p>
-            <a:pPr marL="1200150" lvl="2" indent="-285750">
+            <a:pPr marL="452438" lvl="2" indent="-285750">
               <a:buFont typeface="Symbol" panose="05050102010706020507" pitchFamily="18" charset="2"/>
               <a:buChar char="Þ"/>
             </a:pPr>
             <a:r>
+              <a:rPr lang="en-US" altLang="ko-KR" dirty="0" err="1" smtClean="0"/>
+              <a:t>words_set</a:t>
+            </a:r>
+            <a:r>
               <a:rPr lang="en-US" altLang="ko-KR" dirty="0" smtClean="0"/>
-              <a:t>(“</a:t>
+              <a:t> = (“</a:t>
             </a:r>
             <a:r>
               <a:rPr lang="ko-KR" altLang="en-US" dirty="0" smtClean="0"/>
@@ -10438,7 +10419,14 @@
             </a:r>
           </a:p>
           <a:p>
-            <a:pPr marL="1200150" lvl="2" indent="-285750">
+            <a:pPr marL="452438" lvl="2" indent="-285750">
+              <a:buFont typeface="Symbol" panose="05050102010706020507" pitchFamily="18" charset="2"/>
+              <a:buChar char="Þ"/>
+            </a:pPr>
+            <a:endParaRPr lang="en-US" altLang="ko-KR" dirty="0" smtClean="0"/>
+          </a:p>
+          <a:p>
+            <a:pPr marL="452438" lvl="2" indent="-285750">
               <a:buFont typeface="Symbol" panose="05050102010706020507" pitchFamily="18" charset="2"/>
               <a:buChar char="Þ"/>
             </a:pPr>
@@ -10753,7 +10741,7 @@
             </p:nvSpPr>
             <p:spPr>
               <a:xfrm>
-                <a:off x="342900" y="1280160"/>
+                <a:off x="1" y="1151068"/>
                 <a:ext cx="11653960" cy="4337919"/>
               </a:xfrm>
               <a:prstGeom prst="rect">
@@ -11356,7 +11344,7 @@
             </p:nvSpPr>
             <p:spPr>
               <a:xfrm>
-                <a:off x="342900" y="1280160"/>
+                <a:off x="1" y="1151068"/>
                 <a:ext cx="11653960" cy="4337919"/>
               </a:xfrm>
               <a:prstGeom prst="rect">
@@ -11365,7 +11353,7 @@
               <a:blipFill>
                 <a:blip r:embed="rId3"/>
                 <a:stretch>
-                  <a:fillRect t="-1124" b="-1264"/>
+                  <a:fillRect t="-1125" b="-1406"/>
                 </a:stretch>
               </a:blipFill>
             </p:spPr>
@@ -12933,8 +12921,8 @@
         </p:nvSpPr>
         <p:spPr>
           <a:xfrm>
-            <a:off x="514238" y="4824135"/>
-            <a:ext cx="9608708" cy="861774"/>
+            <a:off x="489472" y="5041701"/>
+            <a:ext cx="10092802" cy="861774"/>
           </a:xfrm>
           <a:prstGeom prst="rect">
             <a:avLst/>
@@ -12956,7 +12944,7 @@
               <a:t>: </a:t>
             </a:r>
             <a:r>
-              <a:rPr lang="en-US" altLang="ko-KR" sz="2000" dirty="0" err="1"/>
+              <a:rPr lang="en-US" altLang="ko-KR" sz="2000" b="1" dirty="0" err="1"/>
               <a:t>window_size</a:t>
             </a:r>
             <a:r>
@@ -12984,7 +12972,7 @@
               <a:t> </a:t>
             </a:r>
             <a:r>
-              <a:rPr lang="en-US" altLang="ko-KR" sz="2000" dirty="0" err="1"/>
+              <a:rPr lang="en-US" altLang="ko-KR" sz="2000" b="1" dirty="0" err="1"/>
               <a:t>negative_sample</a:t>
             </a:r>
             <a:r>
